--- a/Summary/20220214_microbiome_demographic_slides.pptx
+++ b/Summary/20220214_microbiome_demographic_slides.pptx
@@ -167,7 +167,7 @@
   <pc:docChgLst>
     <pc:chgData name="Jonathan Mah" userId="5261b2f2f3e51194" providerId="LiveId" clId="{DA2C2DD4-DACE-4C2D-8489-59B2230A0A2E}"/>
     <pc:docChg chg="undo custSel addSld delSld modSld sldOrd modSection">
-      <pc:chgData name="Jonathan Mah" userId="5261b2f2f3e51194" providerId="LiveId" clId="{DA2C2DD4-DACE-4C2D-8489-59B2230A0A2E}" dt="2022-02-14T21:57:35.347" v="624" actId="20577"/>
+      <pc:chgData name="Jonathan Mah" userId="5261b2f2f3e51194" providerId="LiveId" clId="{DA2C2DD4-DACE-4C2D-8489-59B2230A0A2E}" dt="2022-02-14T22:20:54.525" v="648" actId="14734"/>
       <pc:docMkLst>
         <pc:docMk/>
       </pc:docMkLst>
@@ -350,13 +350,13 @@
         </pc:spChg>
       </pc:sldChg>
       <pc:sldChg chg="addSp delSp modSp add mod">
-        <pc:chgData name="Jonathan Mah" userId="5261b2f2f3e51194" providerId="LiveId" clId="{DA2C2DD4-DACE-4C2D-8489-59B2230A0A2E}" dt="2022-02-14T21:47:55.559" v="395" actId="2166"/>
+        <pc:chgData name="Jonathan Mah" userId="5261b2f2f3e51194" providerId="LiveId" clId="{DA2C2DD4-DACE-4C2D-8489-59B2230A0A2E}" dt="2022-02-14T22:20:43.981" v="636" actId="14734"/>
         <pc:sldMkLst>
           <pc:docMk/>
           <pc:sldMk cId="595427617" sldId="390"/>
         </pc:sldMkLst>
         <pc:graphicFrameChg chg="mod modGraphic">
-          <ac:chgData name="Jonathan Mah" userId="5261b2f2f3e51194" providerId="LiveId" clId="{DA2C2DD4-DACE-4C2D-8489-59B2230A0A2E}" dt="2022-02-14T21:47:55.559" v="395" actId="2166"/>
+          <ac:chgData name="Jonathan Mah" userId="5261b2f2f3e51194" providerId="LiveId" clId="{DA2C2DD4-DACE-4C2D-8489-59B2230A0A2E}" dt="2022-02-14T22:20:43.981" v="636" actId="14734"/>
           <ac:graphicFrameMkLst>
             <pc:docMk/>
             <pc:sldMk cId="595427617" sldId="390"/>
@@ -534,13 +534,13 @@
         </pc:picChg>
       </pc:sldChg>
       <pc:sldChg chg="addSp modSp add mod ord">
-        <pc:chgData name="Jonathan Mah" userId="5261b2f2f3e51194" providerId="LiveId" clId="{DA2C2DD4-DACE-4C2D-8489-59B2230A0A2E}" dt="2022-02-14T21:49:42.573" v="416"/>
+        <pc:chgData name="Jonathan Mah" userId="5261b2f2f3e51194" providerId="LiveId" clId="{DA2C2DD4-DACE-4C2D-8489-59B2230A0A2E}" dt="2022-02-14T22:20:54.525" v="648" actId="14734"/>
         <pc:sldMkLst>
           <pc:docMk/>
           <pc:sldMk cId="1016070006" sldId="394"/>
         </pc:sldMkLst>
         <pc:graphicFrameChg chg="modGraphic">
-          <ac:chgData name="Jonathan Mah" userId="5261b2f2f3e51194" providerId="LiveId" clId="{DA2C2DD4-DACE-4C2D-8489-59B2230A0A2E}" dt="2022-02-14T21:47:58.150" v="396" actId="2166"/>
+          <ac:chgData name="Jonathan Mah" userId="5261b2f2f3e51194" providerId="LiveId" clId="{DA2C2DD4-DACE-4C2D-8489-59B2230A0A2E}" dt="2022-02-14T22:20:54.525" v="648" actId="14734"/>
           <ac:graphicFrameMkLst>
             <pc:docMk/>
             <pc:sldMk cId="1016070006" sldId="394"/>
@@ -5679,8 +5679,8 @@
           </a:p>
         </p:txBody>
       </p:sp>
-      <mc:AlternateContent xmlns:mc="http://schemas.openxmlformats.org/markup-compatibility/2006">
-        <mc:Choice xmlns:p14="http://schemas.microsoft.com/office/powerpoint/2010/main" Requires="p14">
+      <mc:AlternateContent xmlns:mc="http://schemas.openxmlformats.org/markup-compatibility/2006" xmlns:p14="http://schemas.microsoft.com/office/powerpoint/2010/main">
+        <mc:Choice Requires="p14">
           <p:contentPart p14:bwMode="auto" r:id="rId2">
             <p14:nvContentPartPr>
               <p14:cNvPr id="4" name="Ink 3">
@@ -5699,7 +5699,7 @@
             </p14:xfrm>
           </p:contentPart>
         </mc:Choice>
-        <mc:Fallback>
+        <mc:Fallback xmlns="">
           <p:pic>
             <p:nvPicPr>
               <p:cNvPr id="4" name="Ink 3">
@@ -5730,8 +5730,8 @@
           </p:pic>
         </mc:Fallback>
       </mc:AlternateContent>
-      <mc:AlternateContent xmlns:mc="http://schemas.openxmlformats.org/markup-compatibility/2006">
-        <mc:Choice xmlns:p14="http://schemas.microsoft.com/office/powerpoint/2010/main" Requires="p14">
+      <mc:AlternateContent xmlns:mc="http://schemas.openxmlformats.org/markup-compatibility/2006" xmlns:p14="http://schemas.microsoft.com/office/powerpoint/2010/main">
+        <mc:Choice Requires="p14">
           <p:contentPart p14:bwMode="auto" r:id="rId4">
             <p14:nvContentPartPr>
               <p14:cNvPr id="5" name="Ink 4">
@@ -5750,7 +5750,7 @@
             </p14:xfrm>
           </p:contentPart>
         </mc:Choice>
-        <mc:Fallback>
+        <mc:Fallback xmlns="">
           <p:pic>
             <p:nvPicPr>
               <p:cNvPr id="5" name="Ink 4">
@@ -5781,8 +5781,8 @@
           </p:pic>
         </mc:Fallback>
       </mc:AlternateContent>
-      <mc:AlternateContent xmlns:mc="http://schemas.openxmlformats.org/markup-compatibility/2006">
-        <mc:Choice xmlns:p14="http://schemas.microsoft.com/office/powerpoint/2010/main" Requires="p14">
+      <mc:AlternateContent xmlns:mc="http://schemas.openxmlformats.org/markup-compatibility/2006" xmlns:p14="http://schemas.microsoft.com/office/powerpoint/2010/main">
+        <mc:Choice Requires="p14">
           <p:contentPart p14:bwMode="auto" r:id="rId5">
             <p14:nvContentPartPr>
               <p14:cNvPr id="6" name="Ink 5">
@@ -5801,7 +5801,7 @@
             </p14:xfrm>
           </p:contentPart>
         </mc:Choice>
-        <mc:Fallback>
+        <mc:Fallback xmlns="">
           <p:pic>
             <p:nvPicPr>
               <p:cNvPr id="6" name="Ink 5">
@@ -5832,8 +5832,8 @@
           </p:pic>
         </mc:Fallback>
       </mc:AlternateContent>
-      <mc:AlternateContent xmlns:mc="http://schemas.openxmlformats.org/markup-compatibility/2006">
-        <mc:Choice xmlns:p14="http://schemas.microsoft.com/office/powerpoint/2010/main" Requires="p14">
+      <mc:AlternateContent xmlns:mc="http://schemas.openxmlformats.org/markup-compatibility/2006" xmlns:p14="http://schemas.microsoft.com/office/powerpoint/2010/main">
+        <mc:Choice Requires="p14">
           <p:contentPart p14:bwMode="auto" r:id="rId6">
             <p14:nvContentPartPr>
               <p14:cNvPr id="7" name="Ink 6">
@@ -5852,7 +5852,7 @@
             </p14:xfrm>
           </p:contentPart>
         </mc:Choice>
-        <mc:Fallback>
+        <mc:Fallback xmlns="">
           <p:pic>
             <p:nvPicPr>
               <p:cNvPr id="7" name="Ink 6">
@@ -5903,8 +5903,8 @@
             <a:chExt cx="360" cy="360"/>
           </a:xfrm>
         </p:grpSpPr>
-        <mc:AlternateContent xmlns:mc="http://schemas.openxmlformats.org/markup-compatibility/2006">
-          <mc:Choice xmlns:p14="http://schemas.microsoft.com/office/powerpoint/2010/main" Requires="p14">
+        <mc:AlternateContent xmlns:mc="http://schemas.openxmlformats.org/markup-compatibility/2006" xmlns:p14="http://schemas.microsoft.com/office/powerpoint/2010/main">
+          <mc:Choice Requires="p14">
             <p:contentPart p14:bwMode="auto" r:id="rId7">
               <p14:nvContentPartPr>
                 <p14:cNvPr id="8" name="Ink 7">
@@ -5923,7 +5923,7 @@
               </p14:xfrm>
             </p:contentPart>
           </mc:Choice>
-          <mc:Fallback>
+          <mc:Fallback xmlns="">
             <p:pic>
               <p:nvPicPr>
                 <p:cNvPr id="8" name="Ink 7">
@@ -5954,8 +5954,8 @@
             </p:pic>
           </mc:Fallback>
         </mc:AlternateContent>
-        <mc:AlternateContent xmlns:mc="http://schemas.openxmlformats.org/markup-compatibility/2006">
-          <mc:Choice xmlns:p14="http://schemas.microsoft.com/office/powerpoint/2010/main" Requires="p14">
+        <mc:AlternateContent xmlns:mc="http://schemas.openxmlformats.org/markup-compatibility/2006" xmlns:p14="http://schemas.microsoft.com/office/powerpoint/2010/main">
+          <mc:Choice Requires="p14">
             <p:contentPart p14:bwMode="auto" r:id="rId8">
               <p14:nvContentPartPr>
                 <p14:cNvPr id="9" name="Ink 8">
@@ -5974,7 +5974,7 @@
               </p14:xfrm>
             </p:contentPart>
           </mc:Choice>
-          <mc:Fallback>
+          <mc:Fallback xmlns="">
             <p:pic>
               <p:nvPicPr>
                 <p:cNvPr id="9" name="Ink 8">
@@ -6005,8 +6005,8 @@
             </p:pic>
           </mc:Fallback>
         </mc:AlternateContent>
-        <mc:AlternateContent xmlns:mc="http://schemas.openxmlformats.org/markup-compatibility/2006">
-          <mc:Choice xmlns:p14="http://schemas.microsoft.com/office/powerpoint/2010/main" Requires="p14">
+        <mc:AlternateContent xmlns:mc="http://schemas.openxmlformats.org/markup-compatibility/2006" xmlns:p14="http://schemas.microsoft.com/office/powerpoint/2010/main">
+          <mc:Choice Requires="p14">
             <p:contentPart p14:bwMode="auto" r:id="rId9">
               <p14:nvContentPartPr>
                 <p14:cNvPr id="10" name="Ink 9">
@@ -6025,7 +6025,7 @@
               </p14:xfrm>
             </p:contentPart>
           </mc:Choice>
-          <mc:Fallback>
+          <mc:Fallback xmlns="">
             <p:pic>
               <p:nvPicPr>
                 <p:cNvPr id="10" name="Ink 9">
@@ -6057,8 +6057,8 @@
           </mc:Fallback>
         </mc:AlternateContent>
       </p:grpSp>
-      <mc:AlternateContent xmlns:mc="http://schemas.openxmlformats.org/markup-compatibility/2006">
-        <mc:Choice xmlns:p14="http://schemas.microsoft.com/office/powerpoint/2010/main" Requires="p14">
+      <mc:AlternateContent xmlns:mc="http://schemas.openxmlformats.org/markup-compatibility/2006" xmlns:p14="http://schemas.microsoft.com/office/powerpoint/2010/main">
+        <mc:Choice Requires="p14">
           <p:contentPart p14:bwMode="auto" r:id="rId10">
             <p14:nvContentPartPr>
               <p14:cNvPr id="11" name="Ink 10">
@@ -6077,7 +6077,7 @@
             </p14:xfrm>
           </p:contentPart>
         </mc:Choice>
-        <mc:Fallback>
+        <mc:Fallback xmlns="">
           <p:pic>
             <p:nvPicPr>
               <p:cNvPr id="11" name="Ink 10">
@@ -6128,8 +6128,8 @@
             <a:chExt cx="360" cy="360"/>
           </a:xfrm>
         </p:grpSpPr>
-        <mc:AlternateContent xmlns:mc="http://schemas.openxmlformats.org/markup-compatibility/2006">
-          <mc:Choice xmlns:p14="http://schemas.microsoft.com/office/powerpoint/2010/main" Requires="p14">
+        <mc:AlternateContent xmlns:mc="http://schemas.openxmlformats.org/markup-compatibility/2006" xmlns:p14="http://schemas.microsoft.com/office/powerpoint/2010/main">
+          <mc:Choice Requires="p14">
             <p:contentPart p14:bwMode="auto" r:id="rId11">
               <p14:nvContentPartPr>
                 <p14:cNvPr id="12" name="Ink 11">
@@ -6148,7 +6148,7 @@
               </p14:xfrm>
             </p:contentPart>
           </mc:Choice>
-          <mc:Fallback>
+          <mc:Fallback xmlns="">
             <p:pic>
               <p:nvPicPr>
                 <p:cNvPr id="12" name="Ink 11">
@@ -6179,8 +6179,8 @@
             </p:pic>
           </mc:Fallback>
         </mc:AlternateContent>
-        <mc:AlternateContent xmlns:mc="http://schemas.openxmlformats.org/markup-compatibility/2006">
-          <mc:Choice xmlns:p14="http://schemas.microsoft.com/office/powerpoint/2010/main" Requires="p14">
+        <mc:AlternateContent xmlns:mc="http://schemas.openxmlformats.org/markup-compatibility/2006" xmlns:p14="http://schemas.microsoft.com/office/powerpoint/2010/main">
+          <mc:Choice Requires="p14">
             <p:contentPart p14:bwMode="auto" r:id="rId12">
               <p14:nvContentPartPr>
                 <p14:cNvPr id="13" name="Ink 12">
@@ -6199,7 +6199,7 @@
               </p14:xfrm>
             </p:contentPart>
           </mc:Choice>
-          <mc:Fallback>
+          <mc:Fallback xmlns="">
             <p:pic>
               <p:nvPicPr>
                 <p:cNvPr id="13" name="Ink 12">
@@ -6357,8 +6357,8 @@
           </a:p>
         </p:txBody>
       </p:sp>
-      <mc:AlternateContent xmlns:mc="http://schemas.openxmlformats.org/markup-compatibility/2006">
-        <mc:Choice xmlns:p14="http://schemas.microsoft.com/office/powerpoint/2010/main" Requires="p14">
+      <mc:AlternateContent xmlns:mc="http://schemas.openxmlformats.org/markup-compatibility/2006" xmlns:p14="http://schemas.microsoft.com/office/powerpoint/2010/main">
+        <mc:Choice Requires="p14">
           <p:contentPart p14:bwMode="auto" r:id="rId2">
             <p14:nvContentPartPr>
               <p14:cNvPr id="4" name="Ink 3">
@@ -6377,7 +6377,7 @@
             </p14:xfrm>
           </p:contentPart>
         </mc:Choice>
-        <mc:Fallback>
+        <mc:Fallback xmlns="">
           <p:pic>
             <p:nvPicPr>
               <p:cNvPr id="4" name="Ink 3">
@@ -6408,8 +6408,8 @@
           </p:pic>
         </mc:Fallback>
       </mc:AlternateContent>
-      <mc:AlternateContent xmlns:mc="http://schemas.openxmlformats.org/markup-compatibility/2006">
-        <mc:Choice xmlns:p14="http://schemas.microsoft.com/office/powerpoint/2010/main" Requires="p14">
+      <mc:AlternateContent xmlns:mc="http://schemas.openxmlformats.org/markup-compatibility/2006" xmlns:p14="http://schemas.microsoft.com/office/powerpoint/2010/main">
+        <mc:Choice Requires="p14">
           <p:contentPart p14:bwMode="auto" r:id="rId4">
             <p14:nvContentPartPr>
               <p14:cNvPr id="5" name="Ink 4">
@@ -6428,7 +6428,7 @@
             </p14:xfrm>
           </p:contentPart>
         </mc:Choice>
-        <mc:Fallback>
+        <mc:Fallback xmlns="">
           <p:pic>
             <p:nvPicPr>
               <p:cNvPr id="5" name="Ink 4">
@@ -6459,8 +6459,8 @@
           </p:pic>
         </mc:Fallback>
       </mc:AlternateContent>
-      <mc:AlternateContent xmlns:mc="http://schemas.openxmlformats.org/markup-compatibility/2006">
-        <mc:Choice xmlns:p14="http://schemas.microsoft.com/office/powerpoint/2010/main" Requires="p14">
+      <mc:AlternateContent xmlns:mc="http://schemas.openxmlformats.org/markup-compatibility/2006" xmlns:p14="http://schemas.microsoft.com/office/powerpoint/2010/main">
+        <mc:Choice Requires="p14">
           <p:contentPart p14:bwMode="auto" r:id="rId5">
             <p14:nvContentPartPr>
               <p14:cNvPr id="6" name="Ink 5">
@@ -6479,7 +6479,7 @@
             </p14:xfrm>
           </p:contentPart>
         </mc:Choice>
-        <mc:Fallback>
+        <mc:Fallback xmlns="">
           <p:pic>
             <p:nvPicPr>
               <p:cNvPr id="6" name="Ink 5">
@@ -6510,8 +6510,8 @@
           </p:pic>
         </mc:Fallback>
       </mc:AlternateContent>
-      <mc:AlternateContent xmlns:mc="http://schemas.openxmlformats.org/markup-compatibility/2006">
-        <mc:Choice xmlns:p14="http://schemas.microsoft.com/office/powerpoint/2010/main" Requires="p14">
+      <mc:AlternateContent xmlns:mc="http://schemas.openxmlformats.org/markup-compatibility/2006" xmlns:p14="http://schemas.microsoft.com/office/powerpoint/2010/main">
+        <mc:Choice Requires="p14">
           <p:contentPart p14:bwMode="auto" r:id="rId6">
             <p14:nvContentPartPr>
               <p14:cNvPr id="7" name="Ink 6">
@@ -6530,7 +6530,7 @@
             </p14:xfrm>
           </p:contentPart>
         </mc:Choice>
-        <mc:Fallback>
+        <mc:Fallback xmlns="">
           <p:pic>
             <p:nvPicPr>
               <p:cNvPr id="7" name="Ink 6">
@@ -6581,8 +6581,8 @@
             <a:chExt cx="360" cy="360"/>
           </a:xfrm>
         </p:grpSpPr>
-        <mc:AlternateContent xmlns:mc="http://schemas.openxmlformats.org/markup-compatibility/2006">
-          <mc:Choice xmlns:p14="http://schemas.microsoft.com/office/powerpoint/2010/main" Requires="p14">
+        <mc:AlternateContent xmlns:mc="http://schemas.openxmlformats.org/markup-compatibility/2006" xmlns:p14="http://schemas.microsoft.com/office/powerpoint/2010/main">
+          <mc:Choice Requires="p14">
             <p:contentPart p14:bwMode="auto" r:id="rId7">
               <p14:nvContentPartPr>
                 <p14:cNvPr id="8" name="Ink 7">
@@ -6601,7 +6601,7 @@
               </p14:xfrm>
             </p:contentPart>
           </mc:Choice>
-          <mc:Fallback>
+          <mc:Fallback xmlns="">
             <p:pic>
               <p:nvPicPr>
                 <p:cNvPr id="8" name="Ink 7">
@@ -6632,8 +6632,8 @@
             </p:pic>
           </mc:Fallback>
         </mc:AlternateContent>
-        <mc:AlternateContent xmlns:mc="http://schemas.openxmlformats.org/markup-compatibility/2006">
-          <mc:Choice xmlns:p14="http://schemas.microsoft.com/office/powerpoint/2010/main" Requires="p14">
+        <mc:AlternateContent xmlns:mc="http://schemas.openxmlformats.org/markup-compatibility/2006" xmlns:p14="http://schemas.microsoft.com/office/powerpoint/2010/main">
+          <mc:Choice Requires="p14">
             <p:contentPart p14:bwMode="auto" r:id="rId8">
               <p14:nvContentPartPr>
                 <p14:cNvPr id="9" name="Ink 8">
@@ -6652,7 +6652,7 @@
               </p14:xfrm>
             </p:contentPart>
           </mc:Choice>
-          <mc:Fallback>
+          <mc:Fallback xmlns="">
             <p:pic>
               <p:nvPicPr>
                 <p:cNvPr id="9" name="Ink 8">
@@ -6683,8 +6683,8 @@
             </p:pic>
           </mc:Fallback>
         </mc:AlternateContent>
-        <mc:AlternateContent xmlns:mc="http://schemas.openxmlformats.org/markup-compatibility/2006">
-          <mc:Choice xmlns:p14="http://schemas.microsoft.com/office/powerpoint/2010/main" Requires="p14">
+        <mc:AlternateContent xmlns:mc="http://schemas.openxmlformats.org/markup-compatibility/2006" xmlns:p14="http://schemas.microsoft.com/office/powerpoint/2010/main">
+          <mc:Choice Requires="p14">
             <p:contentPart p14:bwMode="auto" r:id="rId9">
               <p14:nvContentPartPr>
                 <p14:cNvPr id="10" name="Ink 9">
@@ -6703,7 +6703,7 @@
               </p14:xfrm>
             </p:contentPart>
           </mc:Choice>
-          <mc:Fallback>
+          <mc:Fallback xmlns="">
             <p:pic>
               <p:nvPicPr>
                 <p:cNvPr id="10" name="Ink 9">
@@ -6735,8 +6735,8 @@
           </mc:Fallback>
         </mc:AlternateContent>
       </p:grpSp>
-      <mc:AlternateContent xmlns:mc="http://schemas.openxmlformats.org/markup-compatibility/2006">
-        <mc:Choice xmlns:p14="http://schemas.microsoft.com/office/powerpoint/2010/main" Requires="p14">
+      <mc:AlternateContent xmlns:mc="http://schemas.openxmlformats.org/markup-compatibility/2006" xmlns:p14="http://schemas.microsoft.com/office/powerpoint/2010/main">
+        <mc:Choice Requires="p14">
           <p:contentPart p14:bwMode="auto" r:id="rId10">
             <p14:nvContentPartPr>
               <p14:cNvPr id="11" name="Ink 10">
@@ -6755,7 +6755,7 @@
             </p14:xfrm>
           </p:contentPart>
         </mc:Choice>
-        <mc:Fallback>
+        <mc:Fallback xmlns="">
           <p:pic>
             <p:nvPicPr>
               <p:cNvPr id="11" name="Ink 10">
@@ -6806,8 +6806,8 @@
             <a:chExt cx="360" cy="360"/>
           </a:xfrm>
         </p:grpSpPr>
-        <mc:AlternateContent xmlns:mc="http://schemas.openxmlformats.org/markup-compatibility/2006">
-          <mc:Choice xmlns:p14="http://schemas.microsoft.com/office/powerpoint/2010/main" Requires="p14">
+        <mc:AlternateContent xmlns:mc="http://schemas.openxmlformats.org/markup-compatibility/2006" xmlns:p14="http://schemas.microsoft.com/office/powerpoint/2010/main">
+          <mc:Choice Requires="p14">
             <p:contentPart p14:bwMode="auto" r:id="rId11">
               <p14:nvContentPartPr>
                 <p14:cNvPr id="12" name="Ink 11">
@@ -6826,7 +6826,7 @@
               </p14:xfrm>
             </p:contentPart>
           </mc:Choice>
-          <mc:Fallback>
+          <mc:Fallback xmlns="">
             <p:pic>
               <p:nvPicPr>
                 <p:cNvPr id="12" name="Ink 11">
@@ -6857,8 +6857,8 @@
             </p:pic>
           </mc:Fallback>
         </mc:AlternateContent>
-        <mc:AlternateContent xmlns:mc="http://schemas.openxmlformats.org/markup-compatibility/2006">
-          <mc:Choice xmlns:p14="http://schemas.microsoft.com/office/powerpoint/2010/main" Requires="p14">
+        <mc:AlternateContent xmlns:mc="http://schemas.openxmlformats.org/markup-compatibility/2006" xmlns:p14="http://schemas.microsoft.com/office/powerpoint/2010/main">
+          <mc:Choice Requires="p14">
             <p:contentPart p14:bwMode="auto" r:id="rId12">
               <p14:nvContentPartPr>
                 <p14:cNvPr id="13" name="Ink 12">
@@ -6877,7 +6877,7 @@
               </p14:xfrm>
             </p:contentPart>
           </mc:Choice>
-          <mc:Fallback>
+          <mc:Fallback xmlns="">
             <p:pic>
               <p:nvPicPr>
                 <p:cNvPr id="13" name="Ink 12">
@@ -7583,14 +7583,14 @@
           <p:nvPr>
             <p:extLst>
               <p:ext uri="{D42A27DB-BD31-4B8C-83A1-F6EECF244321}">
-                <p14:modId xmlns:p14="http://schemas.microsoft.com/office/powerpoint/2010/main" val="3779336894"/>
+                <p14:modId xmlns:p14="http://schemas.microsoft.com/office/powerpoint/2010/main" val="114319365"/>
               </p:ext>
             </p:extLst>
           </p:nvPr>
         </p:nvGraphicFramePr>
         <p:xfrm>
           <a:off x="0" y="0"/>
-          <a:ext cx="6068632" cy="1854200"/>
+          <a:ext cx="6152198" cy="1854200"/>
         </p:xfrm>
         <a:graphic>
           <a:graphicData uri="http://schemas.openxmlformats.org/drawingml/2006/table">
@@ -7599,7 +7599,7 @@
                 <a:tableStyleId>{073A0DAA-6AF3-43AB-8588-CEC1D06C72B9}</a:tableStyleId>
               </a:tblPr>
               <a:tblGrid>
-                <a:gridCol w="2552002">
+                <a:gridCol w="2635568">
                   <a:extLst>
                     <a:ext uri="{9D8B030D-6E8A-4147-A177-3AD203B41FA5}">
                       <a16:colId xmlns:a16="http://schemas.microsoft.com/office/drawing/2014/main" val="3053765410"/>
@@ -7738,11 +7738,11 @@
                     <a:lstStyle/>
                     <a:p>
                       <a:r>
-                        <a:rPr lang="en-US" sz="1600">
+                        <a:rPr lang="en-US" sz="1600" dirty="0">
                           <a:latin typeface="Yu Gothic" panose="020B0400000000000000" pitchFamily="34" charset="-128"/>
                           <a:ea typeface="Yu Gothic" panose="020B0400000000000000" pitchFamily="34" charset="-128"/>
                         </a:rPr>
-                        <a:t>Two-epoch log likelihood</a:t>
+                        <a:t>Exponential log likelihood</a:t>
                       </a:r>
                     </a:p>
                   </a:txBody>
@@ -8874,14 +8874,14 @@
           <p:nvPr>
             <p:extLst>
               <p:ext uri="{D42A27DB-BD31-4B8C-83A1-F6EECF244321}">
-                <p14:modId xmlns:p14="http://schemas.microsoft.com/office/powerpoint/2010/main" val="2072954321"/>
+                <p14:modId xmlns:p14="http://schemas.microsoft.com/office/powerpoint/2010/main" val="2723770287"/>
               </p:ext>
             </p:extLst>
           </p:nvPr>
         </p:nvGraphicFramePr>
         <p:xfrm>
           <a:off x="0" y="0"/>
-          <a:ext cx="5069551" cy="1854200"/>
+          <a:ext cx="5153117" cy="1854200"/>
         </p:xfrm>
         <a:graphic>
           <a:graphicData uri="http://schemas.openxmlformats.org/drawingml/2006/table">
@@ -8890,7 +8890,7 @@
                 <a:tableStyleId>{073A0DAA-6AF3-43AB-8588-CEC1D06C72B9}</a:tableStyleId>
               </a:tblPr>
               <a:tblGrid>
-                <a:gridCol w="2552002">
+                <a:gridCol w="2635568">
                   <a:extLst>
                     <a:ext uri="{9D8B030D-6E8A-4147-A177-3AD203B41FA5}">
                       <a16:colId xmlns:a16="http://schemas.microsoft.com/office/drawing/2014/main" val="3053765410"/>
@@ -9033,7 +9033,14 @@
                           <a:latin typeface="Yu Gothic" panose="020B0400000000000000" pitchFamily="34" charset="-128"/>
                           <a:ea typeface="Yu Gothic" panose="020B0400000000000000" pitchFamily="34" charset="-128"/>
                         </a:rPr>
-                        <a:t>Two-epoch log likelihood</a:t>
+                        <a:t>Exponential </a:t>
+                      </a:r>
+                      <a:r>
+                        <a:rPr lang="en-US" sz="1600" dirty="0">
+                          <a:latin typeface="Yu Gothic" panose="020B0400000000000000" pitchFamily="34" charset="-128"/>
+                          <a:ea typeface="Yu Gothic" panose="020B0400000000000000" pitchFamily="34" charset="-128"/>
+                        </a:rPr>
+                        <a:t>log likelihood</a:t>
                       </a:r>
                     </a:p>
                   </a:txBody>
